--- a/Presentation/HappyAppWIP.pptx
+++ b/Presentation/HappyAppWIP.pptx
@@ -12,7 +12,7 @@
     <p:sldId id="261" r:id="rId6"/>
     <p:sldId id="262" r:id="rId7"/>
     <p:sldId id="263" r:id="rId8"/>
-    <p:sldId id="259" r:id="rId9"/>
+    <p:sldId id="264" r:id="rId9"/>
   </p:sldIdLst>
   <p:sldSz cx="9144000" cy="6858000" type="screen4x3"/>
   <p:notesSz cx="6858000" cy="9144000"/>
@@ -251,7 +251,8 @@
           <a:p>
             <a:fld id="{4220D8E4-243A-41B8-BD02-3FB5064FC7A2}" type="datetimeFigureOut">
               <a:rPr lang="sv-SE" smtClean="0"/>
-              <a:t>2017-05-02</a:t>
+              <a:pPr/>
+              <a:t>2017-05-04</a:t>
             </a:fld>
             <a:endParaRPr lang="sv-SE"/>
           </a:p>
@@ -997,6 +998,7 @@
           <a:p>
             <a:fld id="{D580B7D7-9A97-4398-9DC9-C3EA8C604B6F}" type="slidenum">
               <a:rPr lang="sv-SE" smtClean="0"/>
+              <a:pPr/>
               <a:t>‹#›</a:t>
             </a:fld>
             <a:endParaRPr lang="sv-SE"/>
@@ -1120,7 +1122,8 @@
           <a:p>
             <a:fld id="{4220D8E4-243A-41B8-BD02-3FB5064FC7A2}" type="datetimeFigureOut">
               <a:rPr lang="sv-SE" smtClean="0"/>
-              <a:t>2017-05-02</a:t>
+              <a:pPr/>
+              <a:t>2017-05-04</a:t>
             </a:fld>
             <a:endParaRPr lang="sv-SE"/>
           </a:p>
@@ -1162,6 +1165,7 @@
           <a:p>
             <a:fld id="{D580B7D7-9A97-4398-9DC9-C3EA8C604B6F}" type="slidenum">
               <a:rPr lang="sv-SE" smtClean="0"/>
+              <a:pPr/>
               <a:t>‹#›</a:t>
             </a:fld>
             <a:endParaRPr lang="sv-SE"/>
@@ -1295,7 +1299,8 @@
           <a:p>
             <a:fld id="{4220D8E4-243A-41B8-BD02-3FB5064FC7A2}" type="datetimeFigureOut">
               <a:rPr lang="sv-SE" smtClean="0"/>
-              <a:t>2017-05-02</a:t>
+              <a:pPr/>
+              <a:t>2017-05-04</a:t>
             </a:fld>
             <a:endParaRPr lang="sv-SE"/>
           </a:p>
@@ -1337,6 +1342,7 @@
           <a:p>
             <a:fld id="{D580B7D7-9A97-4398-9DC9-C3EA8C604B6F}" type="slidenum">
               <a:rPr lang="sv-SE" smtClean="0"/>
+              <a:pPr/>
               <a:t>‹#›</a:t>
             </a:fld>
             <a:endParaRPr lang="sv-SE"/>
@@ -1465,7 +1471,8 @@
           <a:p>
             <a:fld id="{4220D8E4-243A-41B8-BD02-3FB5064FC7A2}" type="datetimeFigureOut">
               <a:rPr lang="sv-SE" smtClean="0"/>
-              <a:t>2017-05-02</a:t>
+              <a:pPr/>
+              <a:t>2017-05-04</a:t>
             </a:fld>
             <a:endParaRPr lang="sv-SE"/>
           </a:p>
@@ -1488,6 +1495,7 @@
           <a:p>
             <a:fld id="{D580B7D7-9A97-4398-9DC9-C3EA8C604B6F}" type="slidenum">
               <a:rPr lang="sv-SE" smtClean="0"/>
+              <a:pPr/>
               <a:t>‹#›</a:t>
             </a:fld>
             <a:endParaRPr lang="sv-SE"/>
@@ -1675,7 +1683,8 @@
           <a:p>
             <a:fld id="{4220D8E4-243A-41B8-BD02-3FB5064FC7A2}" type="datetimeFigureOut">
               <a:rPr lang="sv-SE" smtClean="0"/>
-              <a:t>2017-05-02</a:t>
+              <a:pPr/>
+              <a:t>2017-05-04</a:t>
             </a:fld>
             <a:endParaRPr lang="sv-SE"/>
           </a:p>
@@ -2418,6 +2427,7 @@
           <a:p>
             <a:fld id="{D580B7D7-9A97-4398-9DC9-C3EA8C604B6F}" type="slidenum">
               <a:rPr lang="sv-SE" smtClean="0"/>
+              <a:pPr/>
               <a:t>‹#›</a:t>
             </a:fld>
             <a:endParaRPr lang="sv-SE"/>
@@ -2489,7 +2499,8 @@
           <a:p>
             <a:fld id="{4220D8E4-243A-41B8-BD02-3FB5064FC7A2}" type="datetimeFigureOut">
               <a:rPr lang="sv-SE" smtClean="0"/>
-              <a:t>2017-05-02</a:t>
+              <a:pPr/>
+              <a:t>2017-05-04</a:t>
             </a:fld>
             <a:endParaRPr lang="sv-SE"/>
           </a:p>
@@ -2531,6 +2542,7 @@
           <a:p>
             <a:fld id="{D580B7D7-9A97-4398-9DC9-C3EA8C604B6F}" type="slidenum">
               <a:rPr lang="sv-SE" smtClean="0"/>
+              <a:pPr/>
               <a:t>‹#›</a:t>
             </a:fld>
             <a:endParaRPr lang="sv-SE"/>
@@ -2725,7 +2737,8 @@
           <a:p>
             <a:fld id="{4220D8E4-243A-41B8-BD02-3FB5064FC7A2}" type="datetimeFigureOut">
               <a:rPr lang="sv-SE" smtClean="0"/>
-              <a:t>2017-05-02</a:t>
+              <a:pPr/>
+              <a:t>2017-05-04</a:t>
             </a:fld>
             <a:endParaRPr lang="sv-SE"/>
           </a:p>
@@ -2767,6 +2780,7 @@
           <a:p>
             <a:fld id="{D580B7D7-9A97-4398-9DC9-C3EA8C604B6F}" type="slidenum">
               <a:rPr lang="sv-SE" smtClean="0"/>
+              <a:pPr/>
               <a:t>‹#›</a:t>
             </a:fld>
             <a:endParaRPr lang="sv-SE"/>
@@ -3048,7 +3062,8 @@
           <a:p>
             <a:fld id="{4220D8E4-243A-41B8-BD02-3FB5064FC7A2}" type="datetimeFigureOut">
               <a:rPr lang="sv-SE" smtClean="0"/>
-              <a:t>2017-05-02</a:t>
+              <a:pPr/>
+              <a:t>2017-05-04</a:t>
             </a:fld>
             <a:endParaRPr lang="sv-SE"/>
           </a:p>
@@ -3071,6 +3086,7 @@
           <a:p>
             <a:fld id="{D580B7D7-9A97-4398-9DC9-C3EA8C604B6F}" type="slidenum">
               <a:rPr lang="sv-SE" smtClean="0"/>
+              <a:pPr/>
               <a:t>‹#›</a:t>
             </a:fld>
             <a:endParaRPr lang="sv-SE"/>
@@ -3138,7 +3154,8 @@
           <a:p>
             <a:fld id="{4220D8E4-243A-41B8-BD02-3FB5064FC7A2}" type="datetimeFigureOut">
               <a:rPr lang="sv-SE" smtClean="0"/>
-              <a:t>2017-05-02</a:t>
+              <a:pPr/>
+              <a:t>2017-05-04</a:t>
             </a:fld>
             <a:endParaRPr lang="sv-SE"/>
           </a:p>
@@ -3180,6 +3197,7 @@
           <a:p>
             <a:fld id="{D580B7D7-9A97-4398-9DC9-C3EA8C604B6F}" type="slidenum">
               <a:rPr lang="sv-SE" smtClean="0"/>
+              <a:pPr/>
               <a:t>‹#›</a:t>
             </a:fld>
             <a:endParaRPr lang="sv-SE"/>
@@ -3655,7 +3673,8 @@
           <a:p>
             <a:fld id="{4220D8E4-243A-41B8-BD02-3FB5064FC7A2}" type="datetimeFigureOut">
               <a:rPr lang="sv-SE" smtClean="0"/>
-              <a:t>2017-05-02</a:t>
+              <a:pPr/>
+              <a:t>2017-05-04</a:t>
             </a:fld>
             <a:endParaRPr lang="sv-SE"/>
           </a:p>
@@ -3678,6 +3697,7 @@
           <a:p>
             <a:fld id="{D580B7D7-9A97-4398-9DC9-C3EA8C604B6F}" type="slidenum">
               <a:rPr lang="sv-SE" smtClean="0"/>
+              <a:pPr/>
               <a:t>‹#›</a:t>
             </a:fld>
             <a:endParaRPr lang="sv-SE"/>
@@ -4166,7 +4186,8 @@
           <a:p>
             <a:fld id="{4220D8E4-243A-41B8-BD02-3FB5064FC7A2}" type="datetimeFigureOut">
               <a:rPr lang="sv-SE" smtClean="0"/>
-              <a:t>2017-05-02</a:t>
+              <a:pPr/>
+              <a:t>2017-05-04</a:t>
             </a:fld>
             <a:endParaRPr lang="sv-SE"/>
           </a:p>
@@ -4189,6 +4210,7 @@
           <a:p>
             <a:fld id="{D580B7D7-9A97-4398-9DC9-C3EA8C604B6F}" type="slidenum">
               <a:rPr lang="sv-SE" smtClean="0"/>
+              <a:pPr/>
               <a:t>‹#›</a:t>
             </a:fld>
             <a:endParaRPr lang="sv-SE"/>
@@ -4411,7 +4433,8 @@
           <a:p>
             <a:fld id="{4220D8E4-243A-41B8-BD02-3FB5064FC7A2}" type="datetimeFigureOut">
               <a:rPr lang="sv-SE" smtClean="0"/>
-              <a:t>2017-05-02</a:t>
+              <a:pPr/>
+              <a:t>2017-05-04</a:t>
             </a:fld>
             <a:endParaRPr lang="sv-SE"/>
           </a:p>
@@ -4687,6 +4710,7 @@
           <a:p>
             <a:fld id="{D580B7D7-9A97-4398-9DC9-C3EA8C604B6F}" type="slidenum">
               <a:rPr lang="sv-SE" smtClean="0"/>
+              <a:pPr/>
               <a:t>‹#›</a:t>
             </a:fld>
             <a:endParaRPr lang="sv-SE"/>
@@ -5479,7 +5503,6 @@
               <a:rPr lang="sv-SE" dirty="0" smtClean="0"/>
               <a:t>3. Layout</a:t>
             </a:r>
-            <a:endParaRPr lang="sv-SE" dirty="0" smtClean="0"/>
           </a:p>
           <a:p>
             <a:endParaRPr lang="sv-SE" dirty="0" smtClean="0"/>
@@ -6435,46 +6458,42 @@
             <a:endParaRPr lang="sv-SE" dirty="0" smtClean="0"/>
           </a:p>
           <a:p>
+            <a:pPr>
+              <a:buNone/>
+            </a:pPr>
             <a:endParaRPr lang="sv-SE" dirty="0" smtClean="0"/>
           </a:p>
           <a:p>
-            <a:endParaRPr lang="sv-SE" dirty="0" smtClean="0"/>
-          </a:p>
-          <a:p>
+            <a:r>
+              <a:rPr lang="sv-SE" dirty="0" err="1" smtClean="0"/>
+              <a:t>Improvements</a:t>
+            </a:r>
             <a:r>
               <a:rPr lang="sv-SE" dirty="0" smtClean="0"/>
-              <a:t>Report</a:t>
+              <a:t>: </a:t>
             </a:r>
             <a:br>
               <a:rPr lang="sv-SE" dirty="0" smtClean="0"/>
             </a:br>
             <a:r>
               <a:rPr lang="sv-SE" dirty="0" smtClean="0"/>
-              <a:t>- </a:t>
+              <a:t>NFC, </a:t>
             </a:r>
             <a:r>
               <a:rPr lang="sv-SE" dirty="0" err="1" smtClean="0"/>
-              <a:t>We</a:t>
+              <a:t>ImLost</a:t>
             </a:r>
             <a:r>
               <a:rPr lang="sv-SE" dirty="0" smtClean="0"/>
-              <a:t> </a:t>
+              <a:t> Shake, </a:t>
             </a:r>
             <a:r>
               <a:rPr lang="sv-SE" dirty="0" err="1" smtClean="0"/>
-              <a:t>have</a:t>
+              <a:t>direction</a:t>
             </a:r>
             <a:r>
               <a:rPr lang="sv-SE" dirty="0" smtClean="0"/>
-              <a:t> </a:t>
-            </a:r>
-            <a:r>
-              <a:rPr lang="sv-SE" dirty="0" err="1" smtClean="0"/>
-              <a:t>started</a:t>
-            </a:r>
-            <a:r>
-              <a:rPr lang="sv-SE" dirty="0" smtClean="0"/>
-              <a:t> on it</a:t>
+              <a:t> guide</a:t>
             </a:r>
             <a:endParaRPr lang="sv-SE" dirty="0"/>
           </a:p>
